--- a/img/編集用.pptx
+++ b/img/編集用.pptx
@@ -9,6 +9,9 @@
     <p:sldId id="257" r:id="rId3"/>
     <p:sldId id="258" r:id="rId4"/>
     <p:sldId id="259" r:id="rId5"/>
+    <p:sldId id="260" r:id="rId6"/>
+    <p:sldId id="261" r:id="rId7"/>
+    <p:sldId id="262" r:id="rId8"/>
   </p:sldIdLst>
   <p:sldSz cx="12192000" cy="6858000"/>
   <p:notesSz cx="6858000" cy="9144000"/>
@@ -107,6 +110,11 @@
       </a:defRPr>
     </a:lvl9pPr>
   </p:defaultTextStyle>
+  <p:extLst>
+    <p:ext uri="{EFAFB233-063F-42B5-8137-9DF3F51BA10A}">
+      <p15:sldGuideLst xmlns:p15="http://schemas.microsoft.com/office/powerpoint/2012/main"/>
+    </p:ext>
+  </p:extLst>
 </p:presentation>
 </file>
 
@@ -4507,6 +4515,553 @@
 </p:sld>
 </file>
 
+<file path=ppt/slides/slide5.xml><?xml version="1.0" encoding="utf-8"?>
+<p:sld xmlns:a="http://schemas.openxmlformats.org/drawingml/2006/main" xmlns:r="http://schemas.openxmlformats.org/officeDocument/2006/relationships" xmlns:p="http://schemas.openxmlformats.org/presentationml/2006/main">
+  <p:cSld>
+    <p:spTree>
+      <p:nvGrpSpPr>
+        <p:cNvPr id="1" name=""/>
+        <p:cNvGrpSpPr/>
+        <p:nvPr/>
+      </p:nvGrpSpPr>
+      <p:grpSpPr>
+        <a:xfrm>
+          <a:off x="0" y="0"/>
+          <a:ext cx="0" cy="0"/>
+          <a:chOff x="0" y="0"/>
+          <a:chExt cx="0" cy="0"/>
+        </a:xfrm>
+      </p:grpSpPr>
+      <p:grpSp>
+        <p:nvGrpSpPr>
+          <p:cNvPr id="5" name="グループ化 4">
+            <a:extLst>
+              <a:ext uri="{FF2B5EF4-FFF2-40B4-BE49-F238E27FC236}">
+                <a16:creationId xmlns:a16="http://schemas.microsoft.com/office/drawing/2014/main" id="{8395AFCC-630E-1359-7219-4DA7B9828B41}"/>
+              </a:ext>
+            </a:extLst>
+          </p:cNvPr>
+          <p:cNvGrpSpPr/>
+          <p:nvPr/>
+        </p:nvGrpSpPr>
+        <p:grpSpPr>
+          <a:xfrm>
+            <a:off x="225742" y="852114"/>
+            <a:ext cx="11740515" cy="5153772"/>
+            <a:chOff x="225742" y="852114"/>
+            <a:chExt cx="11740515" cy="5153772"/>
+          </a:xfrm>
+        </p:grpSpPr>
+        <p:pic>
+          <p:nvPicPr>
+            <p:cNvPr id="3" name="図 2">
+              <a:extLst>
+                <a:ext uri="{FF2B5EF4-FFF2-40B4-BE49-F238E27FC236}">
+                  <a16:creationId xmlns:a16="http://schemas.microsoft.com/office/drawing/2014/main" id="{59C941CA-12E7-3914-FA49-017C7C552104}"/>
+                </a:ext>
+              </a:extLst>
+            </p:cNvPr>
+            <p:cNvPicPr>
+              <a:picLocks noChangeAspect="1"/>
+            </p:cNvPicPr>
+            <p:nvPr/>
+          </p:nvPicPr>
+          <p:blipFill>
+            <a:blip r:embed="rId2">
+              <a:extLst>
+                <a:ext uri="{28A0092B-C50C-407E-A947-70E740481C1C}">
+                  <a14:useLocalDpi xmlns:a14="http://schemas.microsoft.com/office/drawing/2010/main" val="0"/>
+                </a:ext>
+              </a:extLst>
+            </a:blip>
+            <a:stretch>
+              <a:fillRect/>
+            </a:stretch>
+          </p:blipFill>
+          <p:spPr>
+            <a:xfrm>
+              <a:off x="225742" y="852114"/>
+              <a:ext cx="11740515" cy="5153772"/>
+            </a:xfrm>
+            <a:prstGeom prst="rect">
+              <a:avLst/>
+            </a:prstGeom>
+          </p:spPr>
+        </p:pic>
+        <p:sp>
+          <p:nvSpPr>
+            <p:cNvPr id="4" name="四角形: 角を丸くする 3">
+              <a:extLst>
+                <a:ext uri="{FF2B5EF4-FFF2-40B4-BE49-F238E27FC236}">
+                  <a16:creationId xmlns:a16="http://schemas.microsoft.com/office/drawing/2014/main" id="{0ADA79EC-EC90-9270-D942-A0089F8373BD}"/>
+                </a:ext>
+              </a:extLst>
+            </p:cNvPr>
+            <p:cNvSpPr/>
+            <p:nvPr/>
+          </p:nvSpPr>
+          <p:spPr>
+            <a:xfrm>
+              <a:off x="2509520" y="852114"/>
+              <a:ext cx="853440" cy="440624"/>
+            </a:xfrm>
+            <a:prstGeom prst="roundRect">
+              <a:avLst/>
+            </a:prstGeom>
+            <a:noFill/>
+            <a:ln w="38100">
+              <a:solidFill>
+                <a:srgbClr val="FF0000"/>
+              </a:solidFill>
+            </a:ln>
+          </p:spPr>
+          <p:style>
+            <a:lnRef idx="2">
+              <a:schemeClr val="accent1">
+                <a:shade val="15000"/>
+              </a:schemeClr>
+            </a:lnRef>
+            <a:fillRef idx="1">
+              <a:schemeClr val="accent1"/>
+            </a:fillRef>
+            <a:effectRef idx="0">
+              <a:schemeClr val="accent1"/>
+            </a:effectRef>
+            <a:fontRef idx="minor">
+              <a:schemeClr val="lt1"/>
+            </a:fontRef>
+          </p:style>
+          <p:txBody>
+            <a:bodyPr rtlCol="0" anchor="ctr"/>
+            <a:lstStyle/>
+            <a:p>
+              <a:pPr algn="ctr"/>
+              <a:endParaRPr kumimoji="1" lang="ja-JP" altLang="en-US"/>
+            </a:p>
+          </p:txBody>
+        </p:sp>
+      </p:grpSp>
+    </p:spTree>
+    <p:extLst>
+      <p:ext uri="{BB962C8B-B14F-4D97-AF65-F5344CB8AC3E}">
+        <p14:creationId xmlns:p14="http://schemas.microsoft.com/office/powerpoint/2010/main" val="2312564796"/>
+      </p:ext>
+    </p:extLst>
+  </p:cSld>
+  <p:clrMapOvr>
+    <a:masterClrMapping/>
+  </p:clrMapOvr>
+</p:sld>
+</file>
+
+<file path=ppt/slides/slide6.xml><?xml version="1.0" encoding="utf-8"?>
+<p:sld xmlns:a="http://schemas.openxmlformats.org/drawingml/2006/main" xmlns:r="http://schemas.openxmlformats.org/officeDocument/2006/relationships" xmlns:p="http://schemas.openxmlformats.org/presentationml/2006/main">
+  <p:cSld>
+    <p:spTree>
+      <p:nvGrpSpPr>
+        <p:cNvPr id="1" name=""/>
+        <p:cNvGrpSpPr/>
+        <p:nvPr/>
+      </p:nvGrpSpPr>
+      <p:grpSpPr>
+        <a:xfrm>
+          <a:off x="0" y="0"/>
+          <a:ext cx="0" cy="0"/>
+          <a:chOff x="0" y="0"/>
+          <a:chExt cx="0" cy="0"/>
+        </a:xfrm>
+      </p:grpSpPr>
+      <p:grpSp>
+        <p:nvGrpSpPr>
+          <p:cNvPr id="9" name="グループ化 8">
+            <a:extLst>
+              <a:ext uri="{FF2B5EF4-FFF2-40B4-BE49-F238E27FC236}">
+                <a16:creationId xmlns:a16="http://schemas.microsoft.com/office/drawing/2014/main" id="{E89D19B5-29F4-4FA3-1F74-CA7DFA1C70A8}"/>
+              </a:ext>
+            </a:extLst>
+          </p:cNvPr>
+          <p:cNvGrpSpPr/>
+          <p:nvPr/>
+        </p:nvGrpSpPr>
+        <p:grpSpPr>
+          <a:xfrm>
+            <a:off x="1263253" y="981075"/>
+            <a:ext cx="9068197" cy="5249793"/>
+            <a:chOff x="1263253" y="981075"/>
+            <a:chExt cx="9068197" cy="5249793"/>
+          </a:xfrm>
+        </p:grpSpPr>
+        <p:pic>
+          <p:nvPicPr>
+            <p:cNvPr id="3" name="図 2">
+              <a:extLst>
+                <a:ext uri="{FF2B5EF4-FFF2-40B4-BE49-F238E27FC236}">
+                  <a16:creationId xmlns:a16="http://schemas.microsoft.com/office/drawing/2014/main" id="{C9504E18-E941-B2AF-961B-A088022818B3}"/>
+                </a:ext>
+              </a:extLst>
+            </p:cNvPr>
+            <p:cNvPicPr>
+              <a:picLocks noChangeAspect="1"/>
+            </p:cNvPicPr>
+            <p:nvPr/>
+          </p:nvPicPr>
+          <p:blipFill>
+            <a:blip r:embed="rId2">
+              <a:extLst>
+                <a:ext uri="{28A0092B-C50C-407E-A947-70E740481C1C}">
+                  <a14:useLocalDpi xmlns:a14="http://schemas.microsoft.com/office/drawing/2010/main" val="0"/>
+                </a:ext>
+              </a:extLst>
+            </a:blip>
+            <a:stretch>
+              <a:fillRect/>
+            </a:stretch>
+          </p:blipFill>
+          <p:spPr>
+            <a:xfrm>
+              <a:off x="1860550" y="981075"/>
+              <a:ext cx="8470900" cy="4895850"/>
+            </a:xfrm>
+            <a:prstGeom prst="rect">
+              <a:avLst/>
+            </a:prstGeom>
+          </p:spPr>
+        </p:pic>
+        <p:sp>
+          <p:nvSpPr>
+            <p:cNvPr id="4" name="四角形: 角を丸くする 3">
+              <a:extLst>
+                <a:ext uri="{FF2B5EF4-FFF2-40B4-BE49-F238E27FC236}">
+                  <a16:creationId xmlns:a16="http://schemas.microsoft.com/office/drawing/2014/main" id="{03026BCD-E68C-8F17-501F-59428F286F7B}"/>
+                </a:ext>
+              </a:extLst>
+            </p:cNvPr>
+            <p:cNvSpPr/>
+            <p:nvPr/>
+          </p:nvSpPr>
+          <p:spPr>
+            <a:xfrm>
+              <a:off x="1960880" y="4740976"/>
+              <a:ext cx="1625600" cy="440624"/>
+            </a:xfrm>
+            <a:prstGeom prst="roundRect">
+              <a:avLst/>
+            </a:prstGeom>
+            <a:noFill/>
+            <a:ln w="38100">
+              <a:solidFill>
+                <a:srgbClr val="FF0000"/>
+              </a:solidFill>
+            </a:ln>
+          </p:spPr>
+          <p:style>
+            <a:lnRef idx="2">
+              <a:schemeClr val="accent1">
+                <a:shade val="15000"/>
+              </a:schemeClr>
+            </a:lnRef>
+            <a:fillRef idx="1">
+              <a:schemeClr val="accent1"/>
+            </a:fillRef>
+            <a:effectRef idx="0">
+              <a:schemeClr val="accent1"/>
+            </a:effectRef>
+            <a:fontRef idx="minor">
+              <a:schemeClr val="lt1"/>
+            </a:fontRef>
+          </p:style>
+          <p:txBody>
+            <a:bodyPr rtlCol="0" anchor="ctr"/>
+            <a:lstStyle/>
+            <a:p>
+              <a:pPr algn="ctr"/>
+              <a:endParaRPr kumimoji="1" lang="ja-JP" altLang="en-US"/>
+            </a:p>
+          </p:txBody>
+        </p:sp>
+        <p:sp>
+          <p:nvSpPr>
+            <p:cNvPr id="6" name="四角形: 角を丸くする 5">
+              <a:extLst>
+                <a:ext uri="{FF2B5EF4-FFF2-40B4-BE49-F238E27FC236}">
+                  <a16:creationId xmlns:a16="http://schemas.microsoft.com/office/drawing/2014/main" id="{A76B653D-38F0-5DC1-F1FE-9DD11A1A7DEA}"/>
+                </a:ext>
+              </a:extLst>
+            </p:cNvPr>
+            <p:cNvSpPr/>
+            <p:nvPr/>
+          </p:nvSpPr>
+          <p:spPr>
+            <a:xfrm>
+              <a:off x="6615430" y="5289616"/>
+              <a:ext cx="1725930" cy="440624"/>
+            </a:xfrm>
+            <a:prstGeom prst="roundRect">
+              <a:avLst/>
+            </a:prstGeom>
+            <a:noFill/>
+            <a:ln w="38100">
+              <a:solidFill>
+                <a:srgbClr val="FF0000"/>
+              </a:solidFill>
+            </a:ln>
+          </p:spPr>
+          <p:style>
+            <a:lnRef idx="2">
+              <a:schemeClr val="accent1">
+                <a:shade val="15000"/>
+              </a:schemeClr>
+            </a:lnRef>
+            <a:fillRef idx="1">
+              <a:schemeClr val="accent1"/>
+            </a:fillRef>
+            <a:effectRef idx="0">
+              <a:schemeClr val="accent1"/>
+            </a:effectRef>
+            <a:fontRef idx="minor">
+              <a:schemeClr val="lt1"/>
+            </a:fontRef>
+          </p:style>
+          <p:txBody>
+            <a:bodyPr rtlCol="0" anchor="ctr"/>
+            <a:lstStyle/>
+            <a:p>
+              <a:pPr algn="ctr"/>
+              <a:endParaRPr kumimoji="1" lang="ja-JP" altLang="en-US"/>
+            </a:p>
+          </p:txBody>
+        </p:sp>
+        <p:sp>
+          <p:nvSpPr>
+            <p:cNvPr id="7" name="テキスト ボックス 6">
+              <a:extLst>
+                <a:ext uri="{FF2B5EF4-FFF2-40B4-BE49-F238E27FC236}">
+                  <a16:creationId xmlns:a16="http://schemas.microsoft.com/office/drawing/2014/main" id="{C0D04BEE-2F81-8442-12FC-59E7DBA0E804}"/>
+                </a:ext>
+              </a:extLst>
+            </p:cNvPr>
+            <p:cNvSpPr txBox="1"/>
+            <p:nvPr/>
+          </p:nvSpPr>
+          <p:spPr>
+            <a:xfrm>
+              <a:off x="1263253" y="4607345"/>
+              <a:ext cx="697627" cy="707886"/>
+            </a:xfrm>
+            <a:prstGeom prst="rect">
+              <a:avLst/>
+            </a:prstGeom>
+            <a:noFill/>
+          </p:spPr>
+          <p:txBody>
+            <a:bodyPr wrap="none" rtlCol="0">
+              <a:spAutoFit/>
+            </a:bodyPr>
+            <a:lstStyle/>
+            <a:p>
+              <a:r>
+                <a:rPr kumimoji="1" lang="ja-JP" altLang="en-US" sz="4000" dirty="0">
+                  <a:solidFill>
+                    <a:srgbClr val="FF0000"/>
+                  </a:solidFill>
+                </a:rPr>
+                <a:t>①</a:t>
+              </a:r>
+            </a:p>
+          </p:txBody>
+        </p:sp>
+        <p:sp>
+          <p:nvSpPr>
+            <p:cNvPr id="8" name="テキスト ボックス 7">
+              <a:extLst>
+                <a:ext uri="{FF2B5EF4-FFF2-40B4-BE49-F238E27FC236}">
+                  <a16:creationId xmlns:a16="http://schemas.microsoft.com/office/drawing/2014/main" id="{EEFD7924-4F06-D9E9-33EC-59AF06FB210C}"/>
+                </a:ext>
+              </a:extLst>
+            </p:cNvPr>
+            <p:cNvSpPr txBox="1"/>
+            <p:nvPr/>
+          </p:nvSpPr>
+          <p:spPr>
+            <a:xfrm>
+              <a:off x="5967968" y="5522982"/>
+              <a:ext cx="697627" cy="707886"/>
+            </a:xfrm>
+            <a:prstGeom prst="rect">
+              <a:avLst/>
+            </a:prstGeom>
+            <a:noFill/>
+          </p:spPr>
+          <p:txBody>
+            <a:bodyPr wrap="none" rtlCol="0">
+              <a:spAutoFit/>
+            </a:bodyPr>
+            <a:lstStyle/>
+            <a:p>
+              <a:r>
+                <a:rPr kumimoji="1" lang="ja-JP" altLang="en-US" sz="4000" dirty="0">
+                  <a:solidFill>
+                    <a:srgbClr val="FF0000"/>
+                  </a:solidFill>
+                </a:rPr>
+                <a:t>②</a:t>
+              </a:r>
+            </a:p>
+          </p:txBody>
+        </p:sp>
+      </p:grpSp>
+    </p:spTree>
+    <p:extLst>
+      <p:ext uri="{BB962C8B-B14F-4D97-AF65-F5344CB8AC3E}">
+        <p14:creationId xmlns:p14="http://schemas.microsoft.com/office/powerpoint/2010/main" val="2007046992"/>
+      </p:ext>
+    </p:extLst>
+  </p:cSld>
+  <p:clrMapOvr>
+    <a:masterClrMapping/>
+  </p:clrMapOvr>
+</p:sld>
+</file>
+
+<file path=ppt/slides/slide7.xml><?xml version="1.0" encoding="utf-8"?>
+<p:sld xmlns:a="http://schemas.openxmlformats.org/drawingml/2006/main" xmlns:r="http://schemas.openxmlformats.org/officeDocument/2006/relationships" xmlns:p="http://schemas.openxmlformats.org/presentationml/2006/main">
+  <p:cSld>
+    <p:spTree>
+      <p:nvGrpSpPr>
+        <p:cNvPr id="1" name=""/>
+        <p:cNvGrpSpPr/>
+        <p:nvPr/>
+      </p:nvGrpSpPr>
+      <p:grpSpPr>
+        <a:xfrm>
+          <a:off x="0" y="0"/>
+          <a:ext cx="0" cy="0"/>
+          <a:chOff x="0" y="0"/>
+          <a:chExt cx="0" cy="0"/>
+        </a:xfrm>
+      </p:grpSpPr>
+      <p:grpSp>
+        <p:nvGrpSpPr>
+          <p:cNvPr id="7" name="グループ化 6">
+            <a:extLst>
+              <a:ext uri="{FF2B5EF4-FFF2-40B4-BE49-F238E27FC236}">
+                <a16:creationId xmlns:a16="http://schemas.microsoft.com/office/drawing/2014/main" id="{2DA3CEAD-A4A2-DEC7-309E-87C8CDCC531B}"/>
+              </a:ext>
+            </a:extLst>
+          </p:cNvPr>
+          <p:cNvGrpSpPr/>
+          <p:nvPr/>
+        </p:nvGrpSpPr>
+        <p:grpSpPr>
+          <a:xfrm>
+            <a:off x="1870075" y="971550"/>
+            <a:ext cx="8451850" cy="4914900"/>
+            <a:chOff x="1870075" y="971550"/>
+            <a:chExt cx="8451850" cy="4914900"/>
+          </a:xfrm>
+        </p:grpSpPr>
+        <p:pic>
+          <p:nvPicPr>
+            <p:cNvPr id="6" name="図 5">
+              <a:extLst>
+                <a:ext uri="{FF2B5EF4-FFF2-40B4-BE49-F238E27FC236}">
+                  <a16:creationId xmlns:a16="http://schemas.microsoft.com/office/drawing/2014/main" id="{0AA9B697-27D7-F773-2433-6FB57C020CCE}"/>
+                </a:ext>
+              </a:extLst>
+            </p:cNvPr>
+            <p:cNvPicPr>
+              <a:picLocks noChangeAspect="1"/>
+            </p:cNvPicPr>
+            <p:nvPr/>
+          </p:nvPicPr>
+          <p:blipFill>
+            <a:blip r:embed="rId2">
+              <a:extLst>
+                <a:ext uri="{28A0092B-C50C-407E-A947-70E740481C1C}">
+                  <a14:useLocalDpi xmlns:a14="http://schemas.microsoft.com/office/drawing/2010/main" val="0"/>
+                </a:ext>
+              </a:extLst>
+            </a:blip>
+            <a:stretch>
+              <a:fillRect/>
+            </a:stretch>
+          </p:blipFill>
+          <p:spPr>
+            <a:xfrm>
+              <a:off x="1870075" y="971550"/>
+              <a:ext cx="8451850" cy="4914900"/>
+            </a:xfrm>
+            <a:prstGeom prst="rect">
+              <a:avLst/>
+            </a:prstGeom>
+          </p:spPr>
+        </p:pic>
+        <p:sp>
+          <p:nvSpPr>
+            <p:cNvPr id="4" name="四角形: 角を丸くする 3">
+              <a:extLst>
+                <a:ext uri="{FF2B5EF4-FFF2-40B4-BE49-F238E27FC236}">
+                  <a16:creationId xmlns:a16="http://schemas.microsoft.com/office/drawing/2014/main" id="{9C8F2655-4822-B5CE-F317-5789C18865C8}"/>
+                </a:ext>
+              </a:extLst>
+            </p:cNvPr>
+            <p:cNvSpPr/>
+            <p:nvPr/>
+          </p:nvSpPr>
+          <p:spPr>
+            <a:xfrm>
+              <a:off x="4785360" y="2184400"/>
+              <a:ext cx="772160" cy="365760"/>
+            </a:xfrm>
+            <a:prstGeom prst="roundRect">
+              <a:avLst/>
+            </a:prstGeom>
+            <a:noFill/>
+            <a:ln w="38100">
+              <a:solidFill>
+                <a:srgbClr val="FF0000"/>
+              </a:solidFill>
+            </a:ln>
+          </p:spPr>
+          <p:style>
+            <a:lnRef idx="2">
+              <a:schemeClr val="accent1">
+                <a:shade val="15000"/>
+              </a:schemeClr>
+            </a:lnRef>
+            <a:fillRef idx="1">
+              <a:schemeClr val="accent1"/>
+            </a:fillRef>
+            <a:effectRef idx="0">
+              <a:schemeClr val="accent1"/>
+            </a:effectRef>
+            <a:fontRef idx="minor">
+              <a:schemeClr val="lt1"/>
+            </a:fontRef>
+          </p:style>
+          <p:txBody>
+            <a:bodyPr rtlCol="0" anchor="ctr"/>
+            <a:lstStyle/>
+            <a:p>
+              <a:pPr algn="ctr"/>
+              <a:endParaRPr kumimoji="1" lang="ja-JP" altLang="en-US"/>
+            </a:p>
+          </p:txBody>
+        </p:sp>
+      </p:grpSp>
+    </p:spTree>
+    <p:extLst>
+      <p:ext uri="{BB962C8B-B14F-4D97-AF65-F5344CB8AC3E}">
+        <p14:creationId xmlns:p14="http://schemas.microsoft.com/office/powerpoint/2010/main" val="2285455467"/>
+      </p:ext>
+    </p:extLst>
+  </p:cSld>
+  <p:clrMapOvr>
+    <a:masterClrMapping/>
+  </p:clrMapOvr>
+</p:sld>
+</file>
+
 <file path=ppt/theme/theme1.xml><?xml version="1.0" encoding="utf-8"?>
 <a:theme xmlns:a="http://schemas.openxmlformats.org/drawingml/2006/main" name="Office テーマ">
   <a:themeElements>
